--- a/presentaciones/Modulo 2 Arquitectura de Microservicios.pptx
+++ b/presentaciones/Modulo 2 Arquitectura de Microservicios.pptx
@@ -214,7 +214,7 @@
           <a:p>
             <a:fld id="{5C08C8BF-F956-4D62-9B72-850480C1AE1B}" type="datetimeFigureOut">
               <a:rPr lang="es-PE" smtClean="0"/>
-              <a:t>20/04/2025</a:t>
+              <a:t>24/04/2025</a:t>
             </a:fld>
             <a:endParaRPr lang="es-PE"/>
           </a:p>
@@ -2042,25 +2042,6 @@
             <a:endParaRPr lang="es-ES" dirty="0"/>
           </a:p>
           <a:p>
-            <a:pPr>
-              <a:buNone/>
-            </a:pPr>
-            <a:r>
-              <a:rPr lang="es-ES" dirty="0"/>
-              <a:t>nginx</a:t>
-            </a:r>
-          </a:p>
-          <a:p>
-            <a:pPr>
-              <a:buNone/>
-            </a:pPr>
-            <a:r>
-              <a:rPr lang="es-ES" dirty="0" err="1"/>
-              <a:t>CopiarEditar</a:t>
-            </a:r>
-            <a:endParaRPr lang="es-ES" dirty="0"/>
-          </a:p>
-          <a:p>
             <a:pPr rtl="0">
               <a:buNone/>
             </a:pPr>
@@ -3022,7 +3003,7 @@
           <a:p>
             <a:fld id="{9947E4B7-F257-4C4C-887E-FAB8D4174B66}" type="datetimeFigureOut">
               <a:rPr lang="es-PE" smtClean="0"/>
-              <a:t>20/04/2025</a:t>
+              <a:t>24/04/2025</a:t>
             </a:fld>
             <a:endParaRPr lang="es-PE"/>
           </a:p>
@@ -3222,7 +3203,7 @@
           <a:p>
             <a:fld id="{9947E4B7-F257-4C4C-887E-FAB8D4174B66}" type="datetimeFigureOut">
               <a:rPr lang="es-PE" smtClean="0"/>
-              <a:t>20/04/2025</a:t>
+              <a:t>24/04/2025</a:t>
             </a:fld>
             <a:endParaRPr lang="es-PE"/>
           </a:p>
@@ -3432,7 +3413,7 @@
           <a:p>
             <a:fld id="{9947E4B7-F257-4C4C-887E-FAB8D4174B66}" type="datetimeFigureOut">
               <a:rPr lang="es-PE" smtClean="0"/>
-              <a:t>20/04/2025</a:t>
+              <a:t>24/04/2025</a:t>
             </a:fld>
             <a:endParaRPr lang="es-PE"/>
           </a:p>
@@ -3640,7 +3621,7 @@
           <a:p>
             <a:fld id="{9947E4B7-F257-4C4C-887E-FAB8D4174B66}" type="datetimeFigureOut">
               <a:rPr lang="es-PE" smtClean="0"/>
-              <a:t>20/04/2025</a:t>
+              <a:t>24/04/2025</a:t>
             </a:fld>
             <a:endParaRPr lang="es-PE"/>
           </a:p>
@@ -4131,7 +4112,7 @@
           <a:p>
             <a:fld id="{9947E4B7-F257-4C4C-887E-FAB8D4174B66}" type="datetimeFigureOut">
               <a:rPr lang="es-PE" smtClean="0"/>
-              <a:t>20/04/2025</a:t>
+              <a:t>24/04/2025</a:t>
             </a:fld>
             <a:endParaRPr lang="es-PE"/>
           </a:p>
@@ -4614,7 +4595,7 @@
           <a:p>
             <a:fld id="{9947E4B7-F257-4C4C-887E-FAB8D4174B66}" type="datetimeFigureOut">
               <a:rPr lang="es-PE" smtClean="0"/>
-              <a:t>20/04/2025</a:t>
+              <a:t>24/04/2025</a:t>
             </a:fld>
             <a:endParaRPr lang="es-PE"/>
           </a:p>
@@ -5029,7 +5010,7 @@
           <a:p>
             <a:fld id="{9947E4B7-F257-4C4C-887E-FAB8D4174B66}" type="datetimeFigureOut">
               <a:rPr lang="es-PE" smtClean="0"/>
-              <a:t>20/04/2025</a:t>
+              <a:t>24/04/2025</a:t>
             </a:fld>
             <a:endParaRPr lang="es-PE"/>
           </a:p>
@@ -5171,7 +5152,7 @@
           <a:p>
             <a:fld id="{9947E4B7-F257-4C4C-887E-FAB8D4174B66}" type="datetimeFigureOut">
               <a:rPr lang="es-PE" smtClean="0"/>
-              <a:t>20/04/2025</a:t>
+              <a:t>24/04/2025</a:t>
             </a:fld>
             <a:endParaRPr lang="es-PE"/>
           </a:p>
@@ -5284,7 +5265,7 @@
           <a:p>
             <a:fld id="{9947E4B7-F257-4C4C-887E-FAB8D4174B66}" type="datetimeFigureOut">
               <a:rPr lang="es-PE" smtClean="0"/>
-              <a:t>20/04/2025</a:t>
+              <a:t>24/04/2025</a:t>
             </a:fld>
             <a:endParaRPr lang="es-PE"/>
           </a:p>
@@ -5597,7 +5578,7 @@
           <a:p>
             <a:fld id="{9947E4B7-F257-4C4C-887E-FAB8D4174B66}" type="datetimeFigureOut">
               <a:rPr lang="es-PE" smtClean="0"/>
-              <a:t>20/04/2025</a:t>
+              <a:t>24/04/2025</a:t>
             </a:fld>
             <a:endParaRPr lang="es-PE"/>
           </a:p>
@@ -5890,7 +5871,7 @@
           <a:p>
             <a:fld id="{9947E4B7-F257-4C4C-887E-FAB8D4174B66}" type="datetimeFigureOut">
               <a:rPr lang="es-PE" smtClean="0"/>
-              <a:t>20/04/2025</a:t>
+              <a:t>24/04/2025</a:t>
             </a:fld>
             <a:endParaRPr lang="es-PE"/>
           </a:p>
@@ -6133,7 +6114,7 @@
           <a:p>
             <a:fld id="{9947E4B7-F257-4C4C-887E-FAB8D4174B66}" type="datetimeFigureOut">
               <a:rPr lang="es-PE" smtClean="0"/>
-              <a:t>20/04/2025</a:t>
+              <a:t>24/04/2025</a:t>
             </a:fld>
             <a:endParaRPr lang="es-PE"/>
           </a:p>
@@ -8006,6 +7987,71 @@
             </a:r>
           </a:p>
           <a:p>
+            <a:endParaRPr lang="es-PE" dirty="0"/>
+          </a:p>
+        </p:txBody>
+      </p:sp>
+      <p:sp>
+        <p:nvSpPr>
+          <p:cNvPr id="4" name="CuadroTexto 3">
+            <a:extLst>
+              <a:ext uri="{FF2B5EF4-FFF2-40B4-BE49-F238E27FC236}">
+                <a16:creationId xmlns:a16="http://schemas.microsoft.com/office/drawing/2014/main" id="{CFC1CA43-7EDE-9832-6FE2-94B126CFEA1C}"/>
+              </a:ext>
+            </a:extLst>
+          </p:cNvPr>
+          <p:cNvSpPr txBox="1"/>
+          <p:nvPr/>
+        </p:nvSpPr>
+        <p:spPr>
+          <a:xfrm>
+            <a:off x="925551" y="4438185"/>
+            <a:ext cx="9589292" cy="923330"/>
+          </a:xfrm>
+          <a:prstGeom prst="rect">
+            <a:avLst/>
+          </a:prstGeom>
+          <a:solidFill>
+            <a:schemeClr val="accent4">
+              <a:lumMod val="20000"/>
+              <a:lumOff val="80000"/>
+            </a:schemeClr>
+          </a:solidFill>
+        </p:spPr>
+        <p:txBody>
+          <a:bodyPr wrap="none" rtlCol="0">
+            <a:spAutoFit/>
+          </a:bodyPr>
+          <a:lstStyle/>
+          <a:p>
+            <a:r>
+              <a:rPr lang="es-ES" b="1" dirty="0"/>
+              <a:t>“SAGA” se usa como una analogía literaria</a:t>
+            </a:r>
+            <a:r>
+              <a:rPr lang="es-ES" dirty="0"/>
+              <a:t>, refiriéndose a una historia larga compuesta por muchos </a:t>
+            </a:r>
+          </a:p>
+          <a:p>
+            <a:r>
+              <a:rPr lang="es-ES" dirty="0"/>
+              <a:t>eventos (como las sagas épicas de la literatura nórdica), lo cual encaja perfecto con su concepto:</a:t>
+            </a:r>
+          </a:p>
+          <a:p>
+            <a:r>
+              <a:rPr lang="es-ES" dirty="0"/>
+              <a:t> </a:t>
+            </a:r>
+            <a:r>
+              <a:rPr lang="es-ES" b="1" dirty="0"/>
+              <a:t>una transacción larga dividida en varios pasos locales</a:t>
+            </a:r>
+            <a:r>
+              <a:rPr lang="es-ES" dirty="0"/>
+              <a:t>.</a:t>
+            </a:r>
             <a:endParaRPr lang="es-PE" dirty="0"/>
           </a:p>
         </p:txBody>
